--- a/Intranet/PaginaWeb/Presentación1.pptx
+++ b/Intranet/PaginaWeb/Presentación1.pptx
@@ -167,10 +167,9 @@
           </a:lstStyle>
           <a:p>
             <a:r>
-              <a:rPr lang="es-ES" smtClean="0"/>
+              <a:rPr lang="es-ES"/>
               <a:t>Haga clic para modificar el estilo de título del patrón</a:t>
             </a:r>
-            <a:endParaRPr lang="es-ES"/>
           </a:p>
         </p:txBody>
       </p:sp>
@@ -232,10 +231,9 @@
           </a:lstStyle>
           <a:p>
             <a:r>
-              <a:rPr lang="es-ES" smtClean="0"/>
+              <a:rPr lang="es-ES"/>
               <a:t>Haga clic para modificar el estilo de subtítulo del patrón</a:t>
             </a:r>
-            <a:endParaRPr lang="es-ES"/>
           </a:p>
         </p:txBody>
       </p:sp>
@@ -256,7 +254,7 @@
           <a:p>
             <a:fld id="{CF666732-3681-4B34-A90F-16EF3849D47D}" type="datetimeFigureOut">
               <a:rPr lang="es-ES" smtClean="0"/>
-              <a:t>23/02/2024</a:t>
+              <a:t>02/07/2024</a:t>
             </a:fld>
             <a:endParaRPr lang="es-ES"/>
           </a:p>
@@ -350,10 +348,9 @@
           <a:lstStyle/>
           <a:p>
             <a:r>
-              <a:rPr lang="es-ES" smtClean="0"/>
+              <a:rPr lang="es-ES"/>
               <a:t>Haga clic para modificar el estilo de título del patrón</a:t>
             </a:r>
-            <a:endParaRPr lang="es-ES"/>
           </a:p>
         </p:txBody>
       </p:sp>
@@ -374,38 +371,37 @@
           <a:p>
             <a:pPr lvl="0"/>
             <a:r>
-              <a:rPr lang="es-ES" smtClean="0"/>
+              <a:rPr lang="es-ES"/>
               <a:t>Haga clic para modificar el estilo de texto del patrón</a:t>
             </a:r>
           </a:p>
           <a:p>
             <a:pPr lvl="1"/>
             <a:r>
-              <a:rPr lang="es-ES" smtClean="0"/>
+              <a:rPr lang="es-ES"/>
               <a:t>Segundo nivel</a:t>
             </a:r>
           </a:p>
           <a:p>
             <a:pPr lvl="2"/>
             <a:r>
-              <a:rPr lang="es-ES" smtClean="0"/>
+              <a:rPr lang="es-ES"/>
               <a:t>Tercer nivel</a:t>
             </a:r>
           </a:p>
           <a:p>
             <a:pPr lvl="3"/>
             <a:r>
-              <a:rPr lang="es-ES" smtClean="0"/>
+              <a:rPr lang="es-ES"/>
               <a:t>Cuarto nivel</a:t>
             </a:r>
           </a:p>
           <a:p>
             <a:pPr lvl="4"/>
             <a:r>
-              <a:rPr lang="es-ES" smtClean="0"/>
+              <a:rPr lang="es-ES"/>
               <a:t>Quinto nivel</a:t>
             </a:r>
-            <a:endParaRPr lang="es-ES"/>
           </a:p>
         </p:txBody>
       </p:sp>
@@ -426,7 +422,7 @@
           <a:p>
             <a:fld id="{CF666732-3681-4B34-A90F-16EF3849D47D}" type="datetimeFigureOut">
               <a:rPr lang="es-ES" smtClean="0"/>
-              <a:t>23/02/2024</a:t>
+              <a:t>02/07/2024</a:t>
             </a:fld>
             <a:endParaRPr lang="es-ES"/>
           </a:p>
@@ -525,10 +521,9 @@
           <a:lstStyle/>
           <a:p>
             <a:r>
-              <a:rPr lang="es-ES" smtClean="0"/>
+              <a:rPr lang="es-ES"/>
               <a:t>Haga clic para modificar el estilo de título del patrón</a:t>
             </a:r>
-            <a:endParaRPr lang="es-ES"/>
           </a:p>
         </p:txBody>
       </p:sp>
@@ -554,38 +549,37 @@
           <a:p>
             <a:pPr lvl="0"/>
             <a:r>
-              <a:rPr lang="es-ES" smtClean="0"/>
+              <a:rPr lang="es-ES"/>
               <a:t>Haga clic para modificar el estilo de texto del patrón</a:t>
             </a:r>
           </a:p>
           <a:p>
             <a:pPr lvl="1"/>
             <a:r>
-              <a:rPr lang="es-ES" smtClean="0"/>
+              <a:rPr lang="es-ES"/>
               <a:t>Segundo nivel</a:t>
             </a:r>
           </a:p>
           <a:p>
             <a:pPr lvl="2"/>
             <a:r>
-              <a:rPr lang="es-ES" smtClean="0"/>
+              <a:rPr lang="es-ES"/>
               <a:t>Tercer nivel</a:t>
             </a:r>
           </a:p>
           <a:p>
             <a:pPr lvl="3"/>
             <a:r>
-              <a:rPr lang="es-ES" smtClean="0"/>
+              <a:rPr lang="es-ES"/>
               <a:t>Cuarto nivel</a:t>
             </a:r>
           </a:p>
           <a:p>
             <a:pPr lvl="4"/>
             <a:r>
-              <a:rPr lang="es-ES" smtClean="0"/>
+              <a:rPr lang="es-ES"/>
               <a:t>Quinto nivel</a:t>
             </a:r>
-            <a:endParaRPr lang="es-ES"/>
           </a:p>
         </p:txBody>
       </p:sp>
@@ -606,7 +600,7 @@
           <a:p>
             <a:fld id="{CF666732-3681-4B34-A90F-16EF3849D47D}" type="datetimeFigureOut">
               <a:rPr lang="es-ES" smtClean="0"/>
-              <a:t>23/02/2024</a:t>
+              <a:t>02/07/2024</a:t>
             </a:fld>
             <a:endParaRPr lang="es-ES"/>
           </a:p>
@@ -700,10 +694,9 @@
           <a:lstStyle/>
           <a:p>
             <a:r>
-              <a:rPr lang="es-ES" smtClean="0"/>
+              <a:rPr lang="es-ES"/>
               <a:t>Haga clic para modificar el estilo de título del patrón</a:t>
             </a:r>
-            <a:endParaRPr lang="es-ES"/>
           </a:p>
         </p:txBody>
       </p:sp>
@@ -724,38 +717,37 @@
           <a:p>
             <a:pPr lvl="0"/>
             <a:r>
-              <a:rPr lang="es-ES" smtClean="0"/>
+              <a:rPr lang="es-ES"/>
               <a:t>Haga clic para modificar el estilo de texto del patrón</a:t>
             </a:r>
           </a:p>
           <a:p>
             <a:pPr lvl="1"/>
             <a:r>
-              <a:rPr lang="es-ES" smtClean="0"/>
+              <a:rPr lang="es-ES"/>
               <a:t>Segundo nivel</a:t>
             </a:r>
           </a:p>
           <a:p>
             <a:pPr lvl="2"/>
             <a:r>
-              <a:rPr lang="es-ES" smtClean="0"/>
+              <a:rPr lang="es-ES"/>
               <a:t>Tercer nivel</a:t>
             </a:r>
           </a:p>
           <a:p>
             <a:pPr lvl="3"/>
             <a:r>
-              <a:rPr lang="es-ES" smtClean="0"/>
+              <a:rPr lang="es-ES"/>
               <a:t>Cuarto nivel</a:t>
             </a:r>
           </a:p>
           <a:p>
             <a:pPr lvl="4"/>
             <a:r>
-              <a:rPr lang="es-ES" smtClean="0"/>
+              <a:rPr lang="es-ES"/>
               <a:t>Quinto nivel</a:t>
             </a:r>
-            <a:endParaRPr lang="es-ES"/>
           </a:p>
         </p:txBody>
       </p:sp>
@@ -776,7 +768,7 @@
           <a:p>
             <a:fld id="{CF666732-3681-4B34-A90F-16EF3849D47D}" type="datetimeFigureOut">
               <a:rPr lang="es-ES" smtClean="0"/>
-              <a:t>23/02/2024</a:t>
+              <a:t>02/07/2024</a:t>
             </a:fld>
             <a:endParaRPr lang="es-ES"/>
           </a:p>
@@ -879,10 +871,9 @@
           </a:lstStyle>
           <a:p>
             <a:r>
-              <a:rPr lang="es-ES" smtClean="0"/>
+              <a:rPr lang="es-ES"/>
               <a:t>Haga clic para modificar el estilo de título del patrón</a:t>
             </a:r>
-            <a:endParaRPr lang="es-ES"/>
           </a:p>
         </p:txBody>
       </p:sp>
@@ -999,7 +990,7 @@
           <a:p>
             <a:pPr lvl="0"/>
             <a:r>
-              <a:rPr lang="es-ES" smtClean="0"/>
+              <a:rPr lang="es-ES"/>
               <a:t>Haga clic para modificar el estilo de texto del patrón</a:t>
             </a:r>
           </a:p>
@@ -1022,7 +1013,7 @@
           <a:p>
             <a:fld id="{CF666732-3681-4B34-A90F-16EF3849D47D}" type="datetimeFigureOut">
               <a:rPr lang="es-ES" smtClean="0"/>
-              <a:t>23/02/2024</a:t>
+              <a:t>02/07/2024</a:t>
             </a:fld>
             <a:endParaRPr lang="es-ES"/>
           </a:p>
@@ -1116,10 +1107,9 @@
           <a:lstStyle/>
           <a:p>
             <a:r>
-              <a:rPr lang="es-ES" smtClean="0"/>
+              <a:rPr lang="es-ES"/>
               <a:t>Haga clic para modificar el estilo de título del patrón</a:t>
             </a:r>
-            <a:endParaRPr lang="es-ES"/>
           </a:p>
         </p:txBody>
       </p:sp>
@@ -1145,38 +1135,37 @@
           <a:p>
             <a:pPr lvl="0"/>
             <a:r>
-              <a:rPr lang="es-ES" smtClean="0"/>
+              <a:rPr lang="es-ES"/>
               <a:t>Haga clic para modificar el estilo de texto del patrón</a:t>
             </a:r>
           </a:p>
           <a:p>
             <a:pPr lvl="1"/>
             <a:r>
-              <a:rPr lang="es-ES" smtClean="0"/>
+              <a:rPr lang="es-ES"/>
               <a:t>Segundo nivel</a:t>
             </a:r>
           </a:p>
           <a:p>
             <a:pPr lvl="2"/>
             <a:r>
-              <a:rPr lang="es-ES" smtClean="0"/>
+              <a:rPr lang="es-ES"/>
               <a:t>Tercer nivel</a:t>
             </a:r>
           </a:p>
           <a:p>
             <a:pPr lvl="3"/>
             <a:r>
-              <a:rPr lang="es-ES" smtClean="0"/>
+              <a:rPr lang="es-ES"/>
               <a:t>Cuarto nivel</a:t>
             </a:r>
           </a:p>
           <a:p>
             <a:pPr lvl="4"/>
             <a:r>
-              <a:rPr lang="es-ES" smtClean="0"/>
+              <a:rPr lang="es-ES"/>
               <a:t>Quinto nivel</a:t>
             </a:r>
-            <a:endParaRPr lang="es-ES"/>
           </a:p>
         </p:txBody>
       </p:sp>
@@ -1202,38 +1191,37 @@
           <a:p>
             <a:pPr lvl="0"/>
             <a:r>
-              <a:rPr lang="es-ES" smtClean="0"/>
+              <a:rPr lang="es-ES"/>
               <a:t>Haga clic para modificar el estilo de texto del patrón</a:t>
             </a:r>
           </a:p>
           <a:p>
             <a:pPr lvl="1"/>
             <a:r>
-              <a:rPr lang="es-ES" smtClean="0"/>
+              <a:rPr lang="es-ES"/>
               <a:t>Segundo nivel</a:t>
             </a:r>
           </a:p>
           <a:p>
             <a:pPr lvl="2"/>
             <a:r>
-              <a:rPr lang="es-ES" smtClean="0"/>
+              <a:rPr lang="es-ES"/>
               <a:t>Tercer nivel</a:t>
             </a:r>
           </a:p>
           <a:p>
             <a:pPr lvl="3"/>
             <a:r>
-              <a:rPr lang="es-ES" smtClean="0"/>
+              <a:rPr lang="es-ES"/>
               <a:t>Cuarto nivel</a:t>
             </a:r>
           </a:p>
           <a:p>
             <a:pPr lvl="4"/>
             <a:r>
-              <a:rPr lang="es-ES" smtClean="0"/>
+              <a:rPr lang="es-ES"/>
               <a:t>Quinto nivel</a:t>
             </a:r>
-            <a:endParaRPr lang="es-ES"/>
           </a:p>
         </p:txBody>
       </p:sp>
@@ -1254,7 +1242,7 @@
           <a:p>
             <a:fld id="{CF666732-3681-4B34-A90F-16EF3849D47D}" type="datetimeFigureOut">
               <a:rPr lang="es-ES" smtClean="0"/>
-              <a:t>23/02/2024</a:t>
+              <a:t>02/07/2024</a:t>
             </a:fld>
             <a:endParaRPr lang="es-ES"/>
           </a:p>
@@ -1353,10 +1341,9 @@
           <a:lstStyle/>
           <a:p>
             <a:r>
-              <a:rPr lang="es-ES" smtClean="0"/>
+              <a:rPr lang="es-ES"/>
               <a:t>Haga clic para modificar el estilo de título del patrón</a:t>
             </a:r>
-            <a:endParaRPr lang="es-ES"/>
           </a:p>
         </p:txBody>
       </p:sp>
@@ -1419,7 +1406,7 @@
           <a:p>
             <a:pPr lvl="0"/>
             <a:r>
-              <a:rPr lang="es-ES" smtClean="0"/>
+              <a:rPr lang="es-ES"/>
               <a:t>Haga clic para modificar el estilo de texto del patrón</a:t>
             </a:r>
           </a:p>
@@ -1447,38 +1434,37 @@
           <a:p>
             <a:pPr lvl="0"/>
             <a:r>
-              <a:rPr lang="es-ES" smtClean="0"/>
+              <a:rPr lang="es-ES"/>
               <a:t>Haga clic para modificar el estilo de texto del patrón</a:t>
             </a:r>
           </a:p>
           <a:p>
             <a:pPr lvl="1"/>
             <a:r>
-              <a:rPr lang="es-ES" smtClean="0"/>
+              <a:rPr lang="es-ES"/>
               <a:t>Segundo nivel</a:t>
             </a:r>
           </a:p>
           <a:p>
             <a:pPr lvl="2"/>
             <a:r>
-              <a:rPr lang="es-ES" smtClean="0"/>
+              <a:rPr lang="es-ES"/>
               <a:t>Tercer nivel</a:t>
             </a:r>
           </a:p>
           <a:p>
             <a:pPr lvl="3"/>
             <a:r>
-              <a:rPr lang="es-ES" smtClean="0"/>
+              <a:rPr lang="es-ES"/>
               <a:t>Cuarto nivel</a:t>
             </a:r>
           </a:p>
           <a:p>
             <a:pPr lvl="4"/>
             <a:r>
-              <a:rPr lang="es-ES" smtClean="0"/>
+              <a:rPr lang="es-ES"/>
               <a:t>Quinto nivel</a:t>
             </a:r>
-            <a:endParaRPr lang="es-ES"/>
           </a:p>
         </p:txBody>
       </p:sp>
@@ -1541,7 +1527,7 @@
           <a:p>
             <a:pPr lvl="0"/>
             <a:r>
-              <a:rPr lang="es-ES" smtClean="0"/>
+              <a:rPr lang="es-ES"/>
               <a:t>Haga clic para modificar el estilo de texto del patrón</a:t>
             </a:r>
           </a:p>
@@ -1569,38 +1555,37 @@
           <a:p>
             <a:pPr lvl="0"/>
             <a:r>
-              <a:rPr lang="es-ES" smtClean="0"/>
+              <a:rPr lang="es-ES"/>
               <a:t>Haga clic para modificar el estilo de texto del patrón</a:t>
             </a:r>
           </a:p>
           <a:p>
             <a:pPr lvl="1"/>
             <a:r>
-              <a:rPr lang="es-ES" smtClean="0"/>
+              <a:rPr lang="es-ES"/>
               <a:t>Segundo nivel</a:t>
             </a:r>
           </a:p>
           <a:p>
             <a:pPr lvl="2"/>
             <a:r>
-              <a:rPr lang="es-ES" smtClean="0"/>
+              <a:rPr lang="es-ES"/>
               <a:t>Tercer nivel</a:t>
             </a:r>
           </a:p>
           <a:p>
             <a:pPr lvl="3"/>
             <a:r>
-              <a:rPr lang="es-ES" smtClean="0"/>
+              <a:rPr lang="es-ES"/>
               <a:t>Cuarto nivel</a:t>
             </a:r>
           </a:p>
           <a:p>
             <a:pPr lvl="4"/>
             <a:r>
-              <a:rPr lang="es-ES" smtClean="0"/>
+              <a:rPr lang="es-ES"/>
               <a:t>Quinto nivel</a:t>
             </a:r>
-            <a:endParaRPr lang="es-ES"/>
           </a:p>
         </p:txBody>
       </p:sp>
@@ -1621,7 +1606,7 @@
           <a:p>
             <a:fld id="{CF666732-3681-4B34-A90F-16EF3849D47D}" type="datetimeFigureOut">
               <a:rPr lang="es-ES" smtClean="0"/>
-              <a:t>23/02/2024</a:t>
+              <a:t>02/07/2024</a:t>
             </a:fld>
             <a:endParaRPr lang="es-ES"/>
           </a:p>
@@ -1715,10 +1700,9 @@
           <a:lstStyle/>
           <a:p>
             <a:r>
-              <a:rPr lang="es-ES" smtClean="0"/>
+              <a:rPr lang="es-ES"/>
               <a:t>Haga clic para modificar el estilo de título del patrón</a:t>
             </a:r>
-            <a:endParaRPr lang="es-ES"/>
           </a:p>
         </p:txBody>
       </p:sp>
@@ -1739,7 +1723,7 @@
           <a:p>
             <a:fld id="{CF666732-3681-4B34-A90F-16EF3849D47D}" type="datetimeFigureOut">
               <a:rPr lang="es-ES" smtClean="0"/>
-              <a:t>23/02/2024</a:t>
+              <a:t>02/07/2024</a:t>
             </a:fld>
             <a:endParaRPr lang="es-ES"/>
           </a:p>
@@ -1834,7 +1818,7 @@
           <a:p>
             <a:fld id="{CF666732-3681-4B34-A90F-16EF3849D47D}" type="datetimeFigureOut">
               <a:rPr lang="es-ES" smtClean="0"/>
-              <a:t>23/02/2024</a:t>
+              <a:t>02/07/2024</a:t>
             </a:fld>
             <a:endParaRPr lang="es-ES"/>
           </a:p>
@@ -1937,10 +1921,9 @@
           </a:lstStyle>
           <a:p>
             <a:r>
-              <a:rPr lang="es-ES" smtClean="0"/>
+              <a:rPr lang="es-ES"/>
               <a:t>Haga clic para modificar el estilo de título del patrón</a:t>
             </a:r>
-            <a:endParaRPr lang="es-ES"/>
           </a:p>
         </p:txBody>
       </p:sp>
@@ -1994,38 +1977,37 @@
           <a:p>
             <a:pPr lvl="0"/>
             <a:r>
-              <a:rPr lang="es-ES" smtClean="0"/>
+              <a:rPr lang="es-ES"/>
               <a:t>Haga clic para modificar el estilo de texto del patrón</a:t>
             </a:r>
           </a:p>
           <a:p>
             <a:pPr lvl="1"/>
             <a:r>
-              <a:rPr lang="es-ES" smtClean="0"/>
+              <a:rPr lang="es-ES"/>
               <a:t>Segundo nivel</a:t>
             </a:r>
           </a:p>
           <a:p>
             <a:pPr lvl="2"/>
             <a:r>
-              <a:rPr lang="es-ES" smtClean="0"/>
+              <a:rPr lang="es-ES"/>
               <a:t>Tercer nivel</a:t>
             </a:r>
           </a:p>
           <a:p>
             <a:pPr lvl="3"/>
             <a:r>
-              <a:rPr lang="es-ES" smtClean="0"/>
+              <a:rPr lang="es-ES"/>
               <a:t>Cuarto nivel</a:t>
             </a:r>
           </a:p>
           <a:p>
             <a:pPr lvl="4"/>
             <a:r>
-              <a:rPr lang="es-ES" smtClean="0"/>
+              <a:rPr lang="es-ES"/>
               <a:t>Quinto nivel</a:t>
             </a:r>
-            <a:endParaRPr lang="es-ES"/>
           </a:p>
         </p:txBody>
       </p:sp>
@@ -2088,7 +2070,7 @@
           <a:p>
             <a:pPr lvl="0"/>
             <a:r>
-              <a:rPr lang="es-ES" smtClean="0"/>
+              <a:rPr lang="es-ES"/>
               <a:t>Haga clic para modificar el estilo de texto del patrón</a:t>
             </a:r>
           </a:p>
@@ -2111,7 +2093,7 @@
           <a:p>
             <a:fld id="{CF666732-3681-4B34-A90F-16EF3849D47D}" type="datetimeFigureOut">
               <a:rPr lang="es-ES" smtClean="0"/>
-              <a:t>23/02/2024</a:t>
+              <a:t>02/07/2024</a:t>
             </a:fld>
             <a:endParaRPr lang="es-ES"/>
           </a:p>
@@ -2214,10 +2196,9 @@
           </a:lstStyle>
           <a:p>
             <a:r>
-              <a:rPr lang="es-ES" smtClean="0"/>
+              <a:rPr lang="es-ES"/>
               <a:t>Haga clic para modificar el estilo de título del patrón</a:t>
             </a:r>
-            <a:endParaRPr lang="es-ES"/>
           </a:p>
         </p:txBody>
       </p:sp>
@@ -2341,7 +2322,7 @@
           <a:p>
             <a:pPr lvl="0"/>
             <a:r>
-              <a:rPr lang="es-ES" smtClean="0"/>
+              <a:rPr lang="es-ES"/>
               <a:t>Haga clic para modificar el estilo de texto del patrón</a:t>
             </a:r>
           </a:p>
@@ -2364,7 +2345,7 @@
           <a:p>
             <a:fld id="{CF666732-3681-4B34-A90F-16EF3849D47D}" type="datetimeFigureOut">
               <a:rPr lang="es-ES" smtClean="0"/>
-              <a:t>23/02/2024</a:t>
+              <a:t>02/07/2024</a:t>
             </a:fld>
             <a:endParaRPr lang="es-ES"/>
           </a:p>
@@ -2473,10 +2454,9 @@
           <a:lstStyle/>
           <a:p>
             <a:r>
-              <a:rPr lang="es-ES" smtClean="0"/>
+              <a:rPr lang="es-ES"/>
               <a:t>Haga clic para modificar el estilo de título del patrón</a:t>
             </a:r>
-            <a:endParaRPr lang="es-ES"/>
           </a:p>
         </p:txBody>
       </p:sp>
@@ -2507,38 +2487,37 @@
           <a:p>
             <a:pPr lvl="0"/>
             <a:r>
-              <a:rPr lang="es-ES" smtClean="0"/>
+              <a:rPr lang="es-ES"/>
               <a:t>Haga clic para modificar el estilo de texto del patrón</a:t>
             </a:r>
           </a:p>
           <a:p>
             <a:pPr lvl="1"/>
             <a:r>
-              <a:rPr lang="es-ES" smtClean="0"/>
+              <a:rPr lang="es-ES"/>
               <a:t>Segundo nivel</a:t>
             </a:r>
           </a:p>
           <a:p>
             <a:pPr lvl="2"/>
             <a:r>
-              <a:rPr lang="es-ES" smtClean="0"/>
+              <a:rPr lang="es-ES"/>
               <a:t>Tercer nivel</a:t>
             </a:r>
           </a:p>
           <a:p>
             <a:pPr lvl="3"/>
             <a:r>
-              <a:rPr lang="es-ES" smtClean="0"/>
+              <a:rPr lang="es-ES"/>
               <a:t>Cuarto nivel</a:t>
             </a:r>
           </a:p>
           <a:p>
             <a:pPr lvl="4"/>
             <a:r>
-              <a:rPr lang="es-ES" smtClean="0"/>
+              <a:rPr lang="es-ES"/>
               <a:t>Quinto nivel</a:t>
             </a:r>
-            <a:endParaRPr lang="es-ES"/>
           </a:p>
         </p:txBody>
       </p:sp>
@@ -2577,7 +2556,7 @@
           <a:p>
             <a:fld id="{CF666732-3681-4B34-A90F-16EF3849D47D}" type="datetimeFigureOut">
               <a:rPr lang="es-ES" smtClean="0"/>
-              <a:t>23/02/2024</a:t>
+              <a:t>02/07/2024</a:t>
             </a:fld>
             <a:endParaRPr lang="es-ES"/>
           </a:p>
@@ -3019,7 +2998,7 @@
           <a:p>
             <a:pPr algn="ctr"/>
             <a:r>
-              <a:rPr lang="es-419" dirty="0" smtClean="0"/>
+              <a:rPr lang="es-419" dirty="0"/>
               <a:t>Comunicación Social</a:t>
             </a:r>
             <a:endParaRPr lang="es-ES" dirty="0"/>
@@ -3076,7 +3055,7 @@
           <a:p>
             <a:pPr algn="ctr"/>
             <a:r>
-              <a:rPr lang="es-419" dirty="0" smtClean="0">
+              <a:rPr lang="es-419" dirty="0">
                 <a:solidFill>
                   <a:schemeClr val="tx1"/>
                 </a:solidFill>
@@ -3141,7 +3120,7 @@
           <a:p>
             <a:pPr algn="ctr"/>
             <a:r>
-              <a:rPr lang="es-419" dirty="0" smtClean="0">
+              <a:rPr lang="es-419" dirty="0">
                 <a:solidFill>
                   <a:schemeClr val="tx1"/>
                 </a:solidFill>
@@ -3206,7 +3185,7 @@
           <a:p>
             <a:pPr algn="ctr"/>
             <a:r>
-              <a:rPr lang="es-419" dirty="0" smtClean="0">
+              <a:rPr lang="es-419" dirty="0">
                 <a:solidFill>
                   <a:schemeClr val="tx1"/>
                 </a:solidFill>
@@ -3271,7 +3250,7 @@
           <a:p>
             <a:pPr algn="ctr"/>
             <a:r>
-              <a:rPr lang="es-419" dirty="0" smtClean="0">
+              <a:rPr lang="es-419" dirty="0">
                 <a:solidFill>
                   <a:schemeClr val="tx1"/>
                 </a:solidFill>
@@ -3336,7 +3315,7 @@
           <a:p>
             <a:pPr algn="ctr"/>
             <a:r>
-              <a:rPr lang="es-419" dirty="0" smtClean="0">
+              <a:rPr lang="es-419" dirty="0">
                 <a:solidFill>
                   <a:schemeClr val="tx1"/>
                 </a:solidFill>
@@ -3402,7 +3381,7 @@
           <a:p>
             <a:pPr algn="ctr"/>
             <a:r>
-              <a:rPr lang="es-419" sz="1400" b="1" dirty="0" smtClean="0">
+              <a:rPr lang="es-419" sz="1400" b="1" dirty="0">
                 <a:solidFill>
                   <a:schemeClr val="tx1"/>
                 </a:solidFill>
@@ -3467,7 +3446,7 @@
           <a:p>
             <a:pPr algn="ctr"/>
             <a:r>
-              <a:rPr lang="es-419" sz="1400" b="1" dirty="0" smtClean="0">
+              <a:rPr lang="es-419" sz="1400" b="1" dirty="0">
                 <a:solidFill>
                   <a:schemeClr val="tx1"/>
                 </a:solidFill>
@@ -3532,7 +3511,7 @@
           <a:p>
             <a:pPr algn="ctr"/>
             <a:r>
-              <a:rPr lang="es-419" sz="1400" dirty="0" smtClean="0">
+              <a:rPr lang="es-419" sz="1400" dirty="0">
                 <a:solidFill>
                   <a:schemeClr val="tx1"/>
                 </a:solidFill>
@@ -3570,7 +3549,7 @@
           <a:lstStyle/>
           <a:p>
             <a:r>
-              <a:rPr lang="es-419" sz="1400" dirty="0" smtClean="0"/>
+              <a:rPr lang="es-419" sz="1400" dirty="0"/>
               <a:t>C1: Cumple  con los requisitos</a:t>
             </a:r>
             <a:endParaRPr lang="es-ES" sz="1400" dirty="0"/>
@@ -3632,7 +3611,7 @@
           <a:p>
             <a:pPr algn="ctr"/>
             <a:r>
-              <a:rPr lang="es-419" sz="1400" b="1" dirty="0" smtClean="0">
+              <a:rPr lang="es-419" sz="1400" b="1" dirty="0">
                 <a:solidFill>
                   <a:schemeClr val="tx1"/>
                 </a:solidFill>
@@ -3670,7 +3649,7 @@
           <a:lstStyle/>
           <a:p>
             <a:r>
-              <a:rPr lang="es-419" sz="1400" dirty="0" smtClean="0"/>
+              <a:rPr lang="es-419" sz="1400" dirty="0"/>
               <a:t>Elaboracion de solicitud (Layer, noticia, )</a:t>
             </a:r>
             <a:endParaRPr lang="es-ES" sz="1400" dirty="0"/>
@@ -3700,7 +3679,7 @@
           <a:lstStyle/>
           <a:p>
             <a:r>
-              <a:rPr lang="es-419" sz="1400" b="1" u="sng" dirty="0" smtClean="0">
+              <a:rPr lang="es-419" sz="1400" b="1" u="sng" dirty="0">
                 <a:effectLst>
                   <a:outerShdw blurRad="38100" dist="38100" dir="2700000" algn="tl">
                     <a:srgbClr val="000000">
@@ -3712,7 +3691,7 @@
               <a:t>R</a:t>
             </a:r>
             <a:r>
-              <a:rPr lang="es-419" sz="1400" dirty="0" smtClean="0"/>
+              <a:rPr lang="es-419" sz="1400" dirty="0"/>
               <a:t>ecepcion de Solicitud para revisión</a:t>
             </a:r>
             <a:endParaRPr lang="es-ES" sz="1400" dirty="0"/>
@@ -3769,7 +3748,7 @@
           <a:p>
             <a:pPr algn="ctr"/>
             <a:r>
-              <a:rPr lang="es-419" sz="1400" b="1" dirty="0" smtClean="0">
+              <a:rPr lang="es-419" sz="1400" b="1" dirty="0">
                 <a:solidFill>
                   <a:schemeClr val="tx1"/>
                 </a:solidFill>
@@ -3807,7 +3786,7 @@
           <a:lstStyle/>
           <a:p>
             <a:r>
-              <a:rPr lang="es-419" sz="1400" b="1" u="sng" dirty="0" smtClean="0">
+              <a:rPr lang="es-419" sz="1400" b="1" u="sng" dirty="0">
                 <a:effectLst>
                   <a:outerShdw blurRad="38100" dist="38100" dir="2700000" algn="tl">
                     <a:srgbClr val="000000">
@@ -3819,7 +3798,7 @@
               <a:t>A</a:t>
             </a:r>
             <a:r>
-              <a:rPr lang="es-419" sz="1400" dirty="0" smtClean="0"/>
+              <a:rPr lang="es-419" sz="1400" dirty="0"/>
               <a:t>signar SP que Revisar</a:t>
             </a:r>
             <a:endParaRPr lang="es-ES" sz="1400" dirty="0"/>
@@ -4040,7 +4019,7 @@
           <a:lstStyle/>
           <a:p>
             <a:r>
-              <a:rPr lang="es-419" sz="1400" b="1" dirty="0" smtClean="0">
+              <a:rPr lang="es-419" sz="1400" b="1" dirty="0">
                 <a:solidFill>
                   <a:srgbClr val="FF0000"/>
                 </a:solidFill>
@@ -4078,7 +4057,7 @@
           <a:lstStyle/>
           <a:p>
             <a:r>
-              <a:rPr lang="es-419" sz="1400" b="1" dirty="0" smtClean="0">
+              <a:rPr lang="es-419" sz="1400" b="1" dirty="0">
                 <a:solidFill>
                   <a:schemeClr val="accent6">
                     <a:lumMod val="75000"/>
@@ -4163,7 +4142,7 @@
           <a:lstStyle/>
           <a:p>
             <a:r>
-              <a:rPr lang="es-419" sz="1400" b="1" u="sng" dirty="0" smtClean="0">
+              <a:rPr lang="es-419" sz="1400" b="1" u="sng" dirty="0">
                 <a:effectLst>
                   <a:outerShdw blurRad="38100" dist="38100" dir="2700000" algn="tl">
                     <a:srgbClr val="000000">
@@ -4175,7 +4154,7 @@
               <a:t>R</a:t>
             </a:r>
             <a:r>
-              <a:rPr lang="es-419" sz="1400" dirty="0" smtClean="0"/>
+              <a:rPr lang="es-419" sz="1400" dirty="0"/>
               <a:t>ecepciona Solicitud para Revision</a:t>
             </a:r>
             <a:endParaRPr lang="es-ES" sz="1400" dirty="0"/>
@@ -4232,7 +4211,7 @@
           <a:p>
             <a:pPr algn="ctr"/>
             <a:r>
-              <a:rPr lang="es-419" sz="1400" dirty="0" smtClean="0">
+              <a:rPr lang="es-419" sz="1400" dirty="0">
                 <a:solidFill>
                   <a:schemeClr val="tx1"/>
                 </a:solidFill>
@@ -4313,7 +4292,7 @@
           <a:lstStyle/>
           <a:p>
             <a:r>
-              <a:rPr lang="es-419" sz="1400" b="1" dirty="0" smtClean="0">
+              <a:rPr lang="es-419" sz="1400" b="1" dirty="0">
                 <a:solidFill>
                   <a:srgbClr val="FF0000"/>
                 </a:solidFill>
@@ -4351,7 +4330,7 @@
           <a:lstStyle/>
           <a:p>
             <a:r>
-              <a:rPr lang="es-419" sz="1400" b="1" dirty="0" smtClean="0">
+              <a:rPr lang="es-419" sz="1400" b="1" dirty="0">
                 <a:solidFill>
                   <a:schemeClr val="accent6">
                     <a:lumMod val="75000"/>
@@ -4542,7 +4521,7 @@
           <a:p>
             <a:pPr algn="ctr"/>
             <a:r>
-              <a:rPr lang="es-419" sz="1400" dirty="0" smtClean="0">
+              <a:rPr lang="es-419" sz="1400" dirty="0">
                 <a:solidFill>
                   <a:schemeClr val="tx1"/>
                 </a:solidFill>
@@ -4581,11 +4560,7 @@
           <a:p>
             <a:r>
               <a:rPr lang="es-419" sz="1400" dirty="0"/>
-              <a:t>P</a:t>
-            </a:r>
-            <a:r>
-              <a:rPr lang="es-419" sz="1400" dirty="0" smtClean="0"/>
-              <a:t>1: Anota las observaciones</a:t>
+              <a:t>P1: Anota las observaciones</a:t>
             </a:r>
             <a:endParaRPr lang="es-ES" sz="1400" dirty="0"/>
           </a:p>
@@ -4641,7 +4616,7 @@
           <a:p>
             <a:pPr algn="ctr"/>
             <a:r>
-              <a:rPr lang="es-419" sz="1400" dirty="0" smtClean="0">
+              <a:rPr lang="es-419" sz="1400" dirty="0">
                 <a:solidFill>
                   <a:schemeClr val="tx1"/>
                 </a:solidFill>
@@ -4804,7 +4779,7 @@
           <a:lstStyle/>
           <a:p>
             <a:r>
-              <a:rPr lang="es-419" sz="1400" dirty="0" smtClean="0"/>
+              <a:rPr lang="es-419" sz="1400" dirty="0"/>
               <a:t>C1: Cumple  con los requisitos</a:t>
             </a:r>
             <a:endParaRPr lang="es-ES" sz="1400" dirty="0"/>
@@ -4835,11 +4810,7 @@
           <a:p>
             <a:r>
               <a:rPr lang="es-419" sz="1400" dirty="0"/>
-              <a:t>P</a:t>
-            </a:r>
-            <a:r>
-              <a:rPr lang="es-419" sz="1400" dirty="0" smtClean="0"/>
-              <a:t>1: Anota las observaciones</a:t>
+              <a:t>P1: Anota las observaciones</a:t>
             </a:r>
             <a:endParaRPr lang="es-ES" sz="1400" dirty="0"/>
           </a:p>
@@ -4900,7 +4871,7 @@
           <a:p>
             <a:pPr algn="ctr"/>
             <a:r>
-              <a:rPr lang="es-419" sz="1400" b="1" dirty="0" smtClean="0">
+              <a:rPr lang="es-419" sz="1400" b="1" dirty="0">
                 <a:solidFill>
                   <a:schemeClr val="tx1"/>
                 </a:solidFill>
@@ -4938,7 +4909,7 @@
           <a:lstStyle/>
           <a:p>
             <a:r>
-              <a:rPr lang="es-419" sz="1400" dirty="0" smtClean="0"/>
+              <a:rPr lang="es-419" sz="1400" dirty="0"/>
               <a:t>Publica Solicitud</a:t>
             </a:r>
             <a:endParaRPr lang="es-ES" sz="1400" dirty="0"/>
@@ -5010,7 +4981,7 @@
           <a:lstStyle/>
           <a:p>
             <a:r>
-              <a:rPr lang="es-419" b="1" u="sng" dirty="0" smtClean="0">
+              <a:rPr lang="es-419" b="1" u="sng" dirty="0">
                 <a:effectLst>
                   <a:outerShdw blurRad="38100" dist="38100" dir="2700000" algn="tl">
                     <a:srgbClr val="000000">
@@ -5047,7 +5018,7 @@
           <a:lstStyle/>
           <a:p>
             <a:r>
-              <a:rPr lang="es-419" b="1" u="sng" dirty="0" smtClean="0">
+              <a:rPr lang="es-419" b="1" u="sng" dirty="0">
                 <a:effectLst>
                   <a:outerShdw blurRad="38100" dist="38100" dir="2700000" algn="tl">
                     <a:srgbClr val="000000">
@@ -5084,7 +5055,7 @@
           <a:lstStyle/>
           <a:p>
             <a:r>
-              <a:rPr lang="es-419" b="1" u="sng" dirty="0" smtClean="0">
+              <a:rPr lang="es-419" b="1" u="sng" dirty="0">
                 <a:effectLst>
                   <a:outerShdw blurRad="38100" dist="38100" dir="2700000" algn="tl">
                     <a:srgbClr val="000000">
@@ -5121,7 +5092,7 @@
           <a:lstStyle/>
           <a:p>
             <a:r>
-              <a:rPr lang="es-419" b="1" u="sng" dirty="0" smtClean="0">
+              <a:rPr lang="es-419" b="1" u="sng" dirty="0">
                 <a:effectLst>
                   <a:outerShdw blurRad="38100" dist="38100" dir="2700000" algn="tl">
                     <a:srgbClr val="000000">
@@ -5159,7 +5130,7 @@
           <a:lstStyle/>
           <a:p>
             <a:r>
-              <a:rPr lang="es-419" sz="1400" b="1" u="sng" dirty="0" smtClean="0">
+              <a:rPr lang="es-419" sz="1400" b="1" u="sng" dirty="0">
                 <a:effectLst>
                   <a:outerShdw blurRad="38100" dist="38100" dir="2700000" algn="tl">
                     <a:srgbClr val="000000">
@@ -5171,7 +5142,7 @@
               <a:t>A</a:t>
             </a:r>
             <a:r>
-              <a:rPr lang="es-419" sz="1400" dirty="0" smtClean="0"/>
+              <a:rPr lang="es-419" sz="1400" dirty="0"/>
               <a:t>autoriza Publicar</a:t>
             </a:r>
             <a:endParaRPr lang="es-ES" sz="1400" dirty="0"/>
@@ -5229,7 +5200,7 @@
           <a:p>
             <a:pPr algn="ctr"/>
             <a:r>
-              <a:rPr lang="es-419" sz="1400" b="1" dirty="0" smtClean="0">
+              <a:rPr lang="es-419" sz="1400" b="1" dirty="0">
                 <a:solidFill>
                   <a:schemeClr val="tx1"/>
                 </a:solidFill>
@@ -5307,7 +5278,7 @@
           <a:lstStyle/>
           <a:p>
             <a:r>
-              <a:rPr lang="es-419" b="1" u="sng" dirty="0" smtClean="0">
+              <a:rPr lang="es-419" b="1" u="sng" dirty="0">
                 <a:effectLst>
                   <a:outerShdw blurRad="38100" dist="38100" dir="2700000" algn="tl">
                     <a:srgbClr val="000000">
@@ -5345,7 +5316,7 @@
           <a:lstStyle/>
           <a:p>
             <a:r>
-              <a:rPr lang="es-419" sz="1400" b="1" u="sng" dirty="0" smtClean="0">
+              <a:rPr lang="es-419" sz="1400" b="1" u="sng" dirty="0">
                 <a:effectLst>
                   <a:outerShdw blurRad="38100" dist="38100" dir="2700000" algn="tl">
                     <a:srgbClr val="000000">
@@ -5357,7 +5328,7 @@
               <a:t>E</a:t>
             </a:r>
             <a:r>
-              <a:rPr lang="es-419" sz="1400" dirty="0" smtClean="0"/>
+              <a:rPr lang="es-419" sz="1400" dirty="0"/>
               <a:t>nvia Solicitud para revisión</a:t>
             </a:r>
             <a:endParaRPr lang="es-ES" sz="1400" dirty="0"/>
@@ -5414,7 +5385,7 @@
           <a:p>
             <a:pPr algn="ctr"/>
             <a:r>
-              <a:rPr lang="es-419" sz="1400" b="1" dirty="0" smtClean="0">
+              <a:rPr lang="es-419" sz="1400" b="1" dirty="0">
                 <a:solidFill>
                   <a:schemeClr val="tx1"/>
                 </a:solidFill>
@@ -5495,7 +5466,7 @@
           <a:lstStyle/>
           <a:p>
             <a:r>
-              <a:rPr lang="es-419" sz="1400" b="1" u="sng" dirty="0" smtClean="0">
+              <a:rPr lang="es-419" sz="1400" b="1" u="sng" dirty="0">
                 <a:effectLst>
                   <a:outerShdw blurRad="38100" dist="38100" dir="2700000" algn="tl">
                     <a:srgbClr val="000000">
@@ -5507,7 +5478,7 @@
               <a:t>E</a:t>
             </a:r>
             <a:r>
-              <a:rPr lang="es-419" sz="1400" dirty="0" smtClean="0"/>
+              <a:rPr lang="es-419" sz="1400" dirty="0"/>
               <a:t>nvia Solicitud para Reviasion</a:t>
             </a:r>
             <a:endParaRPr lang="es-ES" sz="1400" dirty="0"/>
@@ -5761,7 +5732,7 @@
           <a:p>
             <a:pPr algn="ctr"/>
             <a:r>
-              <a:rPr lang="es-419" dirty="0" smtClean="0"/>
+              <a:rPr lang="es-419" dirty="0"/>
               <a:t>Comunicación Social</a:t>
             </a:r>
             <a:endParaRPr lang="es-ES" dirty="0"/>
@@ -5818,7 +5789,7 @@
           <a:p>
             <a:pPr algn="ctr"/>
             <a:r>
-              <a:rPr lang="es-419" dirty="0" smtClean="0">
+              <a:rPr lang="es-419" dirty="0">
                 <a:solidFill>
                   <a:schemeClr val="tx1"/>
                 </a:solidFill>
@@ -5883,7 +5854,7 @@
           <a:p>
             <a:pPr algn="ctr"/>
             <a:r>
-              <a:rPr lang="es-419" dirty="0" smtClean="0">
+              <a:rPr lang="es-419" dirty="0">
                 <a:solidFill>
                   <a:schemeClr val="tx1"/>
                 </a:solidFill>
@@ -5948,7 +5919,7 @@
           <a:p>
             <a:pPr algn="ctr"/>
             <a:r>
-              <a:rPr lang="es-419" dirty="0" smtClean="0">
+              <a:rPr lang="es-419" dirty="0">
                 <a:solidFill>
                   <a:schemeClr val="tx1"/>
                 </a:solidFill>
@@ -6013,7 +5984,7 @@
           <a:p>
             <a:pPr algn="ctr"/>
             <a:r>
-              <a:rPr lang="es-419" dirty="0" smtClean="0">
+              <a:rPr lang="es-419" dirty="0">
                 <a:solidFill>
                   <a:schemeClr val="tx1"/>
                 </a:solidFill>
@@ -6078,7 +6049,7 @@
           <a:p>
             <a:pPr algn="ctr"/>
             <a:r>
-              <a:rPr lang="es-419" dirty="0" smtClean="0">
+              <a:rPr lang="es-419" dirty="0">
                 <a:solidFill>
                   <a:schemeClr val="tx1"/>
                 </a:solidFill>
@@ -6144,7 +6115,7 @@
           <a:p>
             <a:pPr algn="ctr"/>
             <a:r>
-              <a:rPr lang="es-419" sz="1400" b="1" dirty="0" smtClean="0">
+              <a:rPr lang="es-419" sz="1400" b="1" dirty="0">
                 <a:solidFill>
                   <a:schemeClr val="tx1"/>
                 </a:solidFill>
@@ -6209,7 +6180,7 @@
           <a:p>
             <a:pPr algn="ctr"/>
             <a:r>
-              <a:rPr lang="es-419" sz="1400" b="1" dirty="0" smtClean="0">
+              <a:rPr lang="es-419" sz="1400" b="1" dirty="0">
                 <a:solidFill>
                   <a:schemeClr val="tx1"/>
                 </a:solidFill>
@@ -6274,7 +6245,7 @@
           <a:p>
             <a:pPr algn="ctr"/>
             <a:r>
-              <a:rPr lang="es-419" sz="1400" dirty="0" smtClean="0">
+              <a:rPr lang="es-419" sz="1400" dirty="0">
                 <a:solidFill>
                   <a:schemeClr val="tx1"/>
                 </a:solidFill>
@@ -6312,7 +6283,7 @@
           <a:lstStyle/>
           <a:p>
             <a:r>
-              <a:rPr lang="es-419" sz="1400" dirty="0" smtClean="0"/>
+              <a:rPr lang="es-419" sz="1400" dirty="0"/>
               <a:t>C1: Cumple  con los requisitos</a:t>
             </a:r>
             <a:endParaRPr lang="es-ES" sz="1400" dirty="0"/>
@@ -6374,7 +6345,7 @@
           <a:p>
             <a:pPr algn="ctr"/>
             <a:r>
-              <a:rPr lang="es-419" sz="1400" b="1" dirty="0" smtClean="0">
+              <a:rPr lang="es-419" sz="1400" b="1" dirty="0">
                 <a:solidFill>
                   <a:schemeClr val="tx1"/>
                 </a:solidFill>
@@ -6412,7 +6383,7 @@
           <a:lstStyle/>
           <a:p>
             <a:r>
-              <a:rPr lang="es-419" sz="1400" dirty="0" smtClean="0"/>
+              <a:rPr lang="es-419" sz="1400" dirty="0"/>
               <a:t>Elaboracion de solicitud (Layer, noticia, )</a:t>
             </a:r>
             <a:endParaRPr lang="es-ES" sz="1400" dirty="0"/>
@@ -6469,7 +6440,7 @@
           <a:p>
             <a:pPr algn="ctr"/>
             <a:r>
-              <a:rPr lang="es-419" sz="1400" b="1" dirty="0" smtClean="0">
+              <a:rPr lang="es-419" sz="1400" b="1" dirty="0">
                 <a:solidFill>
                   <a:schemeClr val="tx1"/>
                 </a:solidFill>
@@ -6507,7 +6478,7 @@
           <a:lstStyle/>
           <a:p>
             <a:r>
-              <a:rPr lang="es-419" sz="1400" b="1" u="sng" dirty="0" smtClean="0">
+              <a:rPr lang="es-419" sz="1400" b="1" u="sng" dirty="0">
                 <a:effectLst>
                   <a:outerShdw blurRad="38100" dist="38100" dir="2700000" algn="tl">
                     <a:srgbClr val="000000">
@@ -6519,7 +6490,7 @@
               <a:t>A</a:t>
             </a:r>
             <a:r>
-              <a:rPr lang="es-419" sz="1400" dirty="0" smtClean="0"/>
+              <a:rPr lang="es-419" sz="1400" dirty="0"/>
               <a:t>signar SP que Revisar</a:t>
             </a:r>
             <a:endParaRPr lang="es-ES" sz="1400" dirty="0"/>
@@ -6740,7 +6711,7 @@
           <a:lstStyle/>
           <a:p>
             <a:r>
-              <a:rPr lang="es-419" sz="1400" b="1" dirty="0" smtClean="0">
+              <a:rPr lang="es-419" sz="1400" b="1" dirty="0">
                 <a:solidFill>
                   <a:srgbClr val="FF0000"/>
                 </a:solidFill>
@@ -6778,7 +6749,7 @@
           <a:lstStyle/>
           <a:p>
             <a:r>
-              <a:rPr lang="es-419" sz="1400" b="1" dirty="0" smtClean="0">
+              <a:rPr lang="es-419" sz="1400" b="1" dirty="0">
                 <a:solidFill>
                   <a:schemeClr val="accent6">
                     <a:lumMod val="75000"/>
@@ -6863,7 +6834,7 @@
           <a:lstStyle/>
           <a:p>
             <a:r>
-              <a:rPr lang="es-419" sz="1400" b="1" u="sng" dirty="0" smtClean="0">
+              <a:rPr lang="es-419" sz="1400" b="1" u="sng" dirty="0">
                 <a:effectLst>
                   <a:outerShdw blurRad="38100" dist="38100" dir="2700000" algn="tl">
                     <a:srgbClr val="000000">
@@ -6875,7 +6846,7 @@
               <a:t>A</a:t>
             </a:r>
             <a:r>
-              <a:rPr lang="es-419" sz="1400" dirty="0" smtClean="0"/>
+              <a:rPr lang="es-419" sz="1400" dirty="0"/>
               <a:t>nalisis</a:t>
             </a:r>
             <a:endParaRPr lang="es-ES" sz="1400" dirty="0"/>
@@ -6932,7 +6903,7 @@
           <a:p>
             <a:pPr algn="ctr"/>
             <a:r>
-              <a:rPr lang="es-419" sz="1400" dirty="0" smtClean="0">
+              <a:rPr lang="es-419" sz="1400" dirty="0">
                 <a:solidFill>
                   <a:schemeClr val="tx1"/>
                 </a:solidFill>
@@ -7013,7 +6984,7 @@
           <a:lstStyle/>
           <a:p>
             <a:r>
-              <a:rPr lang="es-419" sz="1400" b="1" dirty="0" smtClean="0">
+              <a:rPr lang="es-419" sz="1400" b="1" dirty="0">
                 <a:solidFill>
                   <a:srgbClr val="FF0000"/>
                 </a:solidFill>
@@ -7051,7 +7022,7 @@
           <a:lstStyle/>
           <a:p>
             <a:r>
-              <a:rPr lang="es-419" sz="1400" b="1" dirty="0" smtClean="0">
+              <a:rPr lang="es-419" sz="1400" b="1" dirty="0">
                 <a:solidFill>
                   <a:schemeClr val="accent6">
                     <a:lumMod val="75000"/>
@@ -7242,7 +7213,7 @@
           <a:p>
             <a:pPr algn="ctr"/>
             <a:r>
-              <a:rPr lang="es-419" sz="1400" dirty="0" smtClean="0">
+              <a:rPr lang="es-419" sz="1400" dirty="0">
                 <a:solidFill>
                   <a:schemeClr val="tx1"/>
                 </a:solidFill>
@@ -7281,11 +7252,7 @@
           <a:p>
             <a:r>
               <a:rPr lang="es-419" sz="1400" dirty="0"/>
-              <a:t>P</a:t>
-            </a:r>
-            <a:r>
-              <a:rPr lang="es-419" sz="1400" dirty="0" smtClean="0"/>
-              <a:t>1: Anota las observaciones</a:t>
+              <a:t>P1: Anota las observaciones</a:t>
             </a:r>
             <a:endParaRPr lang="es-ES" sz="1400" dirty="0"/>
           </a:p>
@@ -7341,7 +7308,7 @@
           <a:p>
             <a:pPr algn="ctr"/>
             <a:r>
-              <a:rPr lang="es-419" sz="1400" dirty="0" smtClean="0">
+              <a:rPr lang="es-419" sz="1400" dirty="0">
                 <a:solidFill>
                   <a:schemeClr val="tx1"/>
                 </a:solidFill>
@@ -7504,7 +7471,7 @@
           <a:lstStyle/>
           <a:p>
             <a:r>
-              <a:rPr lang="es-419" sz="1400" dirty="0" smtClean="0"/>
+              <a:rPr lang="es-419" sz="1400" dirty="0"/>
               <a:t>C1: Cumple  con los requisitos</a:t>
             </a:r>
             <a:endParaRPr lang="es-ES" sz="1400" dirty="0"/>
@@ -7535,11 +7502,7 @@
           <a:p>
             <a:r>
               <a:rPr lang="es-419" sz="1400" dirty="0"/>
-              <a:t>P</a:t>
-            </a:r>
-            <a:r>
-              <a:rPr lang="es-419" sz="1400" dirty="0" smtClean="0"/>
-              <a:t>1: Anota las observaciones</a:t>
+              <a:t>P1: Anota las observaciones</a:t>
             </a:r>
             <a:endParaRPr lang="es-ES" sz="1400" dirty="0"/>
           </a:p>
@@ -7600,7 +7563,7 @@
           <a:p>
             <a:pPr algn="ctr"/>
             <a:r>
-              <a:rPr lang="es-419" sz="1400" b="1" dirty="0" smtClean="0">
+              <a:rPr lang="es-419" sz="1400" b="1" dirty="0">
                 <a:solidFill>
                   <a:schemeClr val="tx1"/>
                 </a:solidFill>
@@ -7638,7 +7601,7 @@
           <a:lstStyle/>
           <a:p>
             <a:r>
-              <a:rPr lang="es-419" sz="1400" dirty="0" smtClean="0"/>
+              <a:rPr lang="es-419" sz="1400" dirty="0"/>
               <a:t>Publica Solicitud</a:t>
             </a:r>
             <a:endParaRPr lang="es-ES" sz="1400" dirty="0"/>
@@ -7710,7 +7673,7 @@
           <a:lstStyle/>
           <a:p>
             <a:r>
-              <a:rPr lang="es-419" b="1" u="sng" dirty="0" smtClean="0">
+              <a:rPr lang="es-419" b="1" u="sng" dirty="0">
                 <a:effectLst>
                   <a:outerShdw blurRad="38100" dist="38100" dir="2700000" algn="tl">
                     <a:srgbClr val="000000">
@@ -7722,7 +7685,7 @@
               <a:t>C</a:t>
             </a:r>
             <a:r>
-              <a:rPr lang="es-419" dirty="0" smtClean="0"/>
+              <a:rPr lang="es-419" dirty="0"/>
               <a:t>reaxcion</a:t>
             </a:r>
             <a:endParaRPr lang="es-ES" dirty="0"/>
@@ -7751,7 +7714,7 @@
           <a:lstStyle/>
           <a:p>
             <a:r>
-              <a:rPr lang="es-419" b="1" u="sng" dirty="0" smtClean="0">
+              <a:rPr lang="es-419" b="1" u="sng" dirty="0">
                 <a:effectLst>
                   <a:outerShdw blurRad="38100" dist="38100" dir="2700000" algn="tl">
                     <a:srgbClr val="000000">
@@ -7825,7 +7788,7 @@
           <a:lstStyle/>
           <a:p>
             <a:r>
-              <a:rPr lang="es-419" dirty="0" smtClean="0"/>
+              <a:rPr lang="es-419" dirty="0"/>
               <a:t>C</a:t>
             </a:r>
             <a:endParaRPr lang="es-ES" dirty="0"/>
@@ -7855,7 +7818,7 @@
           <a:lstStyle/>
           <a:p>
             <a:r>
-              <a:rPr lang="es-419" sz="1400" b="1" u="sng" dirty="0" smtClean="0">
+              <a:rPr lang="es-419" sz="1400" b="1" u="sng" dirty="0">
                 <a:effectLst>
                   <a:outerShdw blurRad="38100" dist="38100" dir="2700000" algn="tl">
                     <a:srgbClr val="000000">
@@ -7867,7 +7830,7 @@
               <a:t>P</a:t>
             </a:r>
             <a:r>
-              <a:rPr lang="es-419" sz="1400" dirty="0" smtClean="0"/>
+              <a:rPr lang="es-419" sz="1400" dirty="0"/>
               <a:t>ublicacion</a:t>
             </a:r>
             <a:endParaRPr lang="es-ES" sz="1400" dirty="0"/>
@@ -7925,7 +7888,7 @@
           <a:p>
             <a:pPr algn="ctr"/>
             <a:r>
-              <a:rPr lang="es-419" sz="1400" b="1" dirty="0" smtClean="0">
+              <a:rPr lang="es-419" sz="1400" b="1" dirty="0">
                 <a:solidFill>
                   <a:schemeClr val="tx1"/>
                 </a:solidFill>
@@ -8003,7 +7966,7 @@
           <a:lstStyle/>
           <a:p>
             <a:r>
-              <a:rPr lang="es-419" b="1" u="sng" dirty="0" smtClean="0">
+              <a:rPr lang="es-419" b="1" u="sng" dirty="0">
                 <a:effectLst>
                   <a:outerShdw blurRad="38100" dist="38100" dir="2700000" algn="tl">
                     <a:srgbClr val="000000">
@@ -8041,7 +8004,7 @@
           <a:lstStyle/>
           <a:p>
             <a:r>
-              <a:rPr lang="es-419" sz="1400" b="1" u="sng" dirty="0" smtClean="0">
+              <a:rPr lang="es-419" sz="1400" b="1" u="sng" dirty="0">
                 <a:effectLst>
                   <a:outerShdw blurRad="38100" dist="38100" dir="2700000" algn="tl">
                     <a:srgbClr val="000000">
@@ -8053,7 +8016,7 @@
               <a:t>E</a:t>
             </a:r>
             <a:r>
-              <a:rPr lang="es-419" sz="1400" dirty="0" smtClean="0"/>
+              <a:rPr lang="es-419" sz="1400" dirty="0"/>
               <a:t>nvia Solicitud para revisión</a:t>
             </a:r>
             <a:endParaRPr lang="es-ES" sz="1400" dirty="0"/>
@@ -8110,7 +8073,7 @@
           <a:p>
             <a:pPr algn="ctr"/>
             <a:r>
-              <a:rPr lang="es-419" sz="1400" b="1" dirty="0" smtClean="0">
+              <a:rPr lang="es-419" sz="1400" b="1" dirty="0">
                 <a:solidFill>
                   <a:schemeClr val="tx1"/>
                 </a:solidFill>
@@ -8340,7 +8303,7 @@
           <a:lstStyle/>
           <a:p>
             <a:r>
-              <a:rPr lang="es-419" b="1" u="sng" dirty="0" smtClean="0">
+              <a:rPr lang="es-419" b="1" u="sng" dirty="0">
                 <a:effectLst>
                   <a:outerShdw blurRad="38100" dist="38100" dir="2700000" algn="tl">
                     <a:srgbClr val="000000">
@@ -8467,7 +8430,7 @@
           <a:lstStyle/>
           <a:p>
             <a:r>
-              <a:rPr lang="es-419" b="1" u="sng" dirty="0" smtClean="0">
+              <a:rPr lang="es-419" b="1" u="sng" dirty="0">
                 <a:effectLst>
                   <a:outerShdw blurRad="38100" dist="38100" dir="2700000" algn="tl">
                     <a:srgbClr val="000000">
